--- a/events/2020-03-26/notification.pptx
+++ b/events/2020-03-26/notification.pptx
@@ -5,7 +5,7 @@
     <p:sldMasterId id="2147483660" r:id="rId1"/>
   </p:sldMasterIdLst>
   <p:notesMasterIdLst>
-    <p:notesMasterId r:id="rId32"/>
+    <p:notesMasterId r:id="rId33"/>
   </p:notesMasterIdLst>
   <p:sldIdLst>
     <p:sldId id="256" r:id="rId2"/>
@@ -30,14 +30,15 @@
     <p:sldId id="337" r:id="rId21"/>
     <p:sldId id="325" r:id="rId22"/>
     <p:sldId id="336" r:id="rId23"/>
-    <p:sldId id="344" r:id="rId24"/>
-    <p:sldId id="326" r:id="rId25"/>
-    <p:sldId id="346" r:id="rId26"/>
-    <p:sldId id="347" r:id="rId27"/>
-    <p:sldId id="348" r:id="rId28"/>
-    <p:sldId id="338" r:id="rId29"/>
-    <p:sldId id="339" r:id="rId30"/>
-    <p:sldId id="345" r:id="rId31"/>
+    <p:sldId id="350" r:id="rId24"/>
+    <p:sldId id="344" r:id="rId25"/>
+    <p:sldId id="326" r:id="rId26"/>
+    <p:sldId id="346" r:id="rId27"/>
+    <p:sldId id="347" r:id="rId28"/>
+    <p:sldId id="348" r:id="rId29"/>
+    <p:sldId id="338" r:id="rId30"/>
+    <p:sldId id="339" r:id="rId31"/>
+    <p:sldId id="345" r:id="rId32"/>
   </p:sldIdLst>
   <p:sldSz cx="9144000" cy="6858000" type="screen4x3"/>
   <p:notesSz cx="6858000" cy="9144000"/>
@@ -52533,11 +52534,7 @@
             </a:r>
             <a:r>
               <a:rPr kumimoji="1" lang="ja-JP" altLang="en-US" dirty="0" smtClean="0"/>
-              <a:t>の</a:t>
-            </a:r>
-            <a:r>
-              <a:rPr kumimoji="1" lang="ja-JP" altLang="en-US" dirty="0" smtClean="0"/>
-              <a:t>お願い</a:t>
+              <a:t>のお願い</a:t>
             </a:r>
             <a:endParaRPr kumimoji="1" lang="en-US" altLang="ja-JP" dirty="0" smtClean="0"/>
           </a:p>
@@ -52995,11 +52992,7 @@
             </a:r>
             <a:r>
               <a:rPr kumimoji="1" lang="ja-JP" altLang="en-US" dirty="0" smtClean="0"/>
-              <a:t>の</a:t>
-            </a:r>
-            <a:r>
-              <a:rPr kumimoji="1" lang="ja-JP" altLang="en-US" dirty="0" smtClean="0"/>
-              <a:t>お願い</a:t>
+              <a:t>のお願い</a:t>
             </a:r>
             <a:endParaRPr kumimoji="1" lang="en-US" altLang="ja-JP" dirty="0" smtClean="0"/>
           </a:p>
@@ -53973,11 +53966,7 @@
           <a:p>
             <a:r>
               <a:rPr kumimoji="1" lang="ja-JP" altLang="en-US" dirty="0" smtClean="0"/>
-              <a:t>学生</a:t>
-            </a:r>
-            <a:r>
-              <a:rPr kumimoji="1" lang="ja-JP" altLang="en-US" dirty="0" smtClean="0"/>
-              <a:t>は、</a:t>
+              <a:t>学生は、</a:t>
             </a:r>
             <a:r>
               <a:rPr kumimoji="1" lang="ja-JP" altLang="en-US" dirty="0" smtClean="0">
@@ -54258,11 +54247,7 @@
             </a:r>
             <a:r>
               <a:rPr kumimoji="1" lang="ja-JP" altLang="en-US" dirty="0" smtClean="0"/>
-              <a:t>の</a:t>
-            </a:r>
-            <a:r>
-              <a:rPr kumimoji="1" lang="ja-JP" altLang="en-US" dirty="0" smtClean="0"/>
-              <a:t>お願い</a:t>
+              <a:t>のお願い</a:t>
             </a:r>
             <a:endParaRPr kumimoji="1" lang="en-US" altLang="ja-JP" dirty="0" smtClean="0"/>
           </a:p>
@@ -54753,11 +54738,7 @@
             </a:r>
             <a:r>
               <a:rPr kumimoji="1" lang="ja-JP" altLang="en-US" dirty="0" smtClean="0"/>
-              <a:t>の</a:t>
-            </a:r>
-            <a:r>
-              <a:rPr kumimoji="1" lang="ja-JP" altLang="en-US" dirty="0" smtClean="0"/>
-              <a:t>お願い</a:t>
+              <a:t>のお願い</a:t>
             </a:r>
             <a:endParaRPr kumimoji="1" lang="en-US" altLang="ja-JP" dirty="0" smtClean="0"/>
           </a:p>
@@ -54960,19 +54941,7 @@
             </a:r>
             <a:r>
               <a:rPr lang="ja-JP" altLang="en-US" dirty="0" smtClean="0"/>
-              <a:t> </a:t>
-            </a:r>
-            <a:r>
-              <a:rPr lang="ja-JP" altLang="en-US" dirty="0" smtClean="0"/>
-              <a:t>に準備に必要な情報</a:t>
-            </a:r>
-            <a:r>
-              <a:rPr lang="ja-JP" altLang="en-US" dirty="0" smtClean="0"/>
-              <a:t>をまとめていることを周知して</a:t>
-            </a:r>
-            <a:r>
-              <a:rPr lang="ja-JP" altLang="en-US" dirty="0" smtClean="0"/>
-              <a:t>ください</a:t>
+              <a:t> に準備に必要な情報をまとめていることを周知してください</a:t>
             </a:r>
             <a:endParaRPr lang="en-US" altLang="ja-JP" dirty="0" smtClean="0"/>
           </a:p>
@@ -54980,11 +54949,7 @@
             <a:pPr lvl="1"/>
             <a:r>
               <a:rPr lang="ja-JP" altLang="en-US" dirty="0" smtClean="0"/>
-              <a:t>今日</a:t>
-            </a:r>
-            <a:r>
-              <a:rPr lang="ja-JP" altLang="en-US" dirty="0" smtClean="0"/>
-              <a:t>の</a:t>
+              <a:t>今日の</a:t>
             </a:r>
             <a:r>
               <a:rPr lang="en-US" altLang="ja-JP" dirty="0" smtClean="0"/>
@@ -55000,11 +54965,7 @@
             <a:pPr lvl="1"/>
             <a:r>
               <a:rPr lang="ja-JP" altLang="en-US" dirty="0" smtClean="0"/>
-              <a:t>学科・専攻ごとに掲示板など作成済みがあればリンクを張ります（フォームを作ります</a:t>
-            </a:r>
-            <a:r>
-              <a:rPr lang="ja-JP" altLang="en-US" dirty="0" smtClean="0"/>
-              <a:t>）</a:t>
+              <a:t>学科・専攻ごとに掲示板など作成済みがあればリンクを張ります（フォームを作ります）</a:t>
             </a:r>
             <a:endParaRPr lang="en-US" altLang="ja-JP" dirty="0" smtClean="0"/>
           </a:p>
@@ -55141,7 +55102,7 @@
         <p:spPr/>
         <p:txBody>
           <a:bodyPr>
-            <a:normAutofit lnSpcReduction="10000"/>
+            <a:normAutofit fontScale="92500" lnSpcReduction="20000"/>
           </a:bodyPr>
           <a:lstStyle/>
           <a:p>
@@ -55167,7 +55128,47 @@
             <a:pPr lvl="1"/>
             <a:r>
               <a:rPr lang="ja-JP" altLang="en-US" dirty="0" smtClean="0"/>
-              <a:t>学生へのオンライン授業情報の周知の仕方</a:t>
+              <a:t>学生へのオンライン授業情報の周知の</a:t>
+            </a:r>
+            <a:r>
+              <a:rPr lang="ja-JP" altLang="en-US" dirty="0" smtClean="0"/>
+              <a:t>仕方</a:t>
+            </a:r>
+            <a:endParaRPr lang="en-US" altLang="ja-JP" dirty="0" smtClean="0"/>
+          </a:p>
+          <a:p>
+            <a:pPr lvl="1"/>
+            <a:r>
+              <a:rPr lang="ja-JP" altLang="en-US" dirty="0" smtClean="0"/>
+              <a:t>注：今日は「授業をどうやるか」の話ではなく</a:t>
+            </a:r>
+            <a:endParaRPr lang="en-US" altLang="ja-JP" dirty="0" smtClean="0"/>
+          </a:p>
+          <a:p>
+            <a:pPr lvl="1"/>
+            <a:r>
+              <a:rPr lang="ja-JP" altLang="en-US" dirty="0" smtClean="0"/>
+              <a:t>それ</a:t>
+            </a:r>
+            <a:r>
+              <a:rPr lang="ja-JP" altLang="en-US" dirty="0" smtClean="0"/>
+              <a:t>は明日（</a:t>
+            </a:r>
+            <a:r>
+              <a:rPr lang="en-US" altLang="ja-JP" dirty="0" smtClean="0"/>
+              <a:t>3/27</a:t>
+            </a:r>
+            <a:r>
+              <a:rPr lang="ja-JP" altLang="en-US" dirty="0" smtClean="0"/>
+              <a:t>）またあります </a:t>
+            </a:r>
+            <a:r>
+              <a:rPr lang="en-US" altLang="ja-JP" dirty="0" smtClean="0"/>
+              <a:t>10:00</a:t>
+            </a:r>
+            <a:r>
+              <a:rPr lang="ja-JP" altLang="en-US" dirty="0" smtClean="0"/>
+              <a:t>～</a:t>
             </a:r>
             <a:endParaRPr lang="en-US" altLang="ja-JP" dirty="0" smtClean="0"/>
           </a:p>
@@ -55205,11 +55206,7 @@
             </a:r>
             <a:r>
               <a:rPr lang="ja-JP" altLang="en-US" dirty="0" smtClean="0"/>
-              <a:t>させて</a:t>
-            </a:r>
-            <a:r>
-              <a:rPr lang="ja-JP" altLang="en-US" dirty="0" smtClean="0"/>
-              <a:t>いただきます</a:t>
+              <a:t>させていただきます</a:t>
             </a:r>
             <a:endParaRPr lang="en-US" altLang="ja-JP" dirty="0" smtClean="0"/>
           </a:p>
@@ -55224,23 +55221,31 @@
             </a:r>
             <a:r>
               <a:rPr lang="ja-JP" altLang="en-US" dirty="0" smtClean="0"/>
-              <a:t>回の説明会も配信します</a:t>
+              <a:t>回の説明会も配信</a:t>
+            </a:r>
+            <a:r>
+              <a:rPr lang="ja-JP" altLang="en-US" dirty="0" smtClean="0"/>
+              <a:t>し</a:t>
+            </a:r>
+            <a:r>
+              <a:rPr lang="ja-JP" altLang="en-US" dirty="0" smtClean="0"/>
+              <a:t>（て）</a:t>
+            </a:r>
+            <a:r>
+              <a:rPr lang="ja-JP" altLang="en-US" dirty="0" smtClean="0"/>
+              <a:t>ます</a:t>
             </a:r>
             <a:endParaRPr lang="en-US" altLang="ja-JP" dirty="0" smtClean="0"/>
           </a:p>
           <a:p>
             <a:pPr lvl="1"/>
             <a:r>
-              <a:rPr kumimoji="1" lang="en-US" altLang="ja-JP" smtClean="0"/>
+              <a:rPr kumimoji="1" lang="en-US" altLang="ja-JP" dirty="0" smtClean="0"/>
               <a:t>3/13 </a:t>
             </a:r>
             <a:r>
-              <a:rPr lang="ja-JP" altLang="en-US" smtClean="0"/>
-              <a:t>授業</a:t>
-            </a:r>
-            <a:r>
               <a:rPr lang="ja-JP" altLang="en-US" dirty="0" smtClean="0"/>
-              <a:t>のオンライン化を念頭に置いた</a:t>
+              <a:t>授業のオンライン化を念頭に置いた</a:t>
             </a:r>
             <a:r>
               <a:rPr lang="en-US" altLang="ja-JP" dirty="0" smtClean="0"/>
@@ -55480,15 +55485,7 @@
                   <a:srgbClr val="FF0000"/>
                 </a:solidFill>
               </a:rPr>
-              <a:t>それら</a:t>
-            </a:r>
-            <a:r>
-              <a:rPr kumimoji="1" lang="ja-JP" altLang="en-US" dirty="0" smtClean="0">
-                <a:solidFill>
-                  <a:srgbClr val="FF0000"/>
-                </a:solidFill>
-              </a:rPr>
-              <a:t>がちゃんと動いているかのチェック環境</a:t>
+              <a:t>それらがちゃんと動いているかのチェック環境</a:t>
             </a:r>
             <a:r>
               <a:rPr lang="ja-JP" altLang="en-US" dirty="0" smtClean="0">
@@ -55725,15 +55722,7 @@
                   <a:schemeClr val="tx1"/>
                 </a:solidFill>
               </a:rPr>
-              <a:t>月から貴学科や専攻の</a:t>
-            </a:r>
-            <a:r>
-              <a:rPr lang="ja-JP" altLang="en-US" dirty="0" smtClean="0">
-                <a:solidFill>
-                  <a:schemeClr val="tx1"/>
-                </a:solidFill>
-              </a:rPr>
-              <a:t>学生</a:t>
+              <a:t>月から貴学科や専攻の学生</a:t>
             </a:r>
             <a:r>
               <a:rPr lang="ja-JP" altLang="en-US" sz="4400" dirty="0" smtClean="0">
@@ -55745,23 +55734,7 @@
             </a:r>
             <a:r>
               <a:rPr lang="ja-JP" altLang="en-US" dirty="0" smtClean="0"/>
-              <a:t>に</a:t>
-            </a:r>
-            <a:r>
-              <a:rPr lang="ja-JP" altLang="en-US" dirty="0" smtClean="0"/>
-              <a:t>どう連絡を取れるのかを注意</a:t>
-            </a:r>
-            <a:r>
-              <a:rPr lang="ja-JP" altLang="en-US" dirty="0" smtClean="0"/>
-              <a:t>深く</a:t>
-            </a:r>
-            <a:r>
-              <a:rPr lang="ja-JP" altLang="en-US" dirty="0" smtClean="0"/>
-              <a:t>確認</a:t>
-            </a:r>
-            <a:r>
-              <a:rPr lang="ja-JP" altLang="en-US" dirty="0" smtClean="0"/>
-              <a:t>してください</a:t>
+              <a:t>にどう連絡を取れるのかを注意深く確認してください</a:t>
             </a:r>
             <a:endParaRPr lang="en-US" altLang="ja-JP" dirty="0" smtClean="0"/>
           </a:p>
@@ -55769,15 +55742,7 @@
             <a:pPr lvl="1"/>
             <a:r>
               <a:rPr lang="ja-JP" altLang="en-US" dirty="0" smtClean="0"/>
-              <a:t>学科・専攻</a:t>
-            </a:r>
-            <a:r>
-              <a:rPr lang="ja-JP" altLang="en-US" dirty="0" smtClean="0"/>
-              <a:t>ごと</a:t>
-            </a:r>
-            <a:r>
-              <a:rPr lang="ja-JP" altLang="en-US" dirty="0" smtClean="0"/>
-              <a:t>に微妙に違う仕組みがあると予想</a:t>
+              <a:t>学科・専攻ごとに微妙に違う仕組みがあると予想</a:t>
             </a:r>
             <a:endParaRPr lang="en-US" altLang="ja-JP" dirty="0" smtClean="0"/>
           </a:p>
@@ -55948,15 +55913,7 @@
             <a:pPr lvl="1"/>
             <a:r>
               <a:rPr lang="ja-JP" altLang="en-US" dirty="0" smtClean="0"/>
-              <a:t>登録メールアドレスが</a:t>
-            </a:r>
-            <a:r>
-              <a:rPr lang="ja-JP" altLang="en-US" dirty="0" smtClean="0"/>
-              <a:t>古い</a:t>
-            </a:r>
-            <a:r>
-              <a:rPr lang="ja-JP" altLang="en-US" dirty="0" smtClean="0"/>
-              <a:t>人</a:t>
+              <a:t>登録メールアドレスが古い人</a:t>
             </a:r>
             <a:endParaRPr lang="en-US" altLang="ja-JP" dirty="0" smtClean="0"/>
           </a:p>
@@ -55964,15 +55921,7 @@
             <a:pPr lvl="1"/>
             <a:r>
               <a:rPr lang="ja-JP" altLang="en-US" dirty="0" smtClean="0"/>
-              <a:t>まだ</a:t>
-            </a:r>
-            <a:r>
-              <a:rPr lang="ja-JP" altLang="en-US" dirty="0" smtClean="0"/>
-              <a:t>東大に</a:t>
-            </a:r>
-            <a:r>
-              <a:rPr lang="ja-JP" altLang="en-US" dirty="0" smtClean="0"/>
-              <a:t>いない人（新大学院生など）</a:t>
+              <a:t>まだ東大にいない人（新大学院生など）</a:t>
             </a:r>
             <a:endParaRPr lang="en-US" altLang="ja-JP" dirty="0" smtClean="0"/>
           </a:p>
@@ -55987,15 +55936,7 @@
           <a:p>
             <a:r>
               <a:rPr lang="ja-JP" altLang="en-US" dirty="0" smtClean="0"/>
-              <a:t>一度集めてガイダンスで</a:t>
-            </a:r>
-            <a:r>
-              <a:rPr lang="ja-JP" altLang="en-US" dirty="0" smtClean="0"/>
-              <a:t>言えば</a:t>
-            </a:r>
-            <a:r>
-              <a:rPr lang="ja-JP" altLang="en-US" dirty="0" smtClean="0"/>
-              <a:t>いいのでは？</a:t>
+              <a:t>一度集めてガイダンスで言えばいいのでは？</a:t>
             </a:r>
             <a:endParaRPr lang="en-US" altLang="ja-JP" dirty="0" smtClean="0"/>
           </a:p>
@@ -56019,15 +55960,7 @@
             <a:pPr lvl="1"/>
             <a:r>
               <a:rPr lang="ja-JP" altLang="en-US" dirty="0" smtClean="0"/>
-              <a:t>準備をさせるタイミング</a:t>
-            </a:r>
-            <a:r>
-              <a:rPr lang="ja-JP" altLang="en-US" dirty="0" smtClean="0"/>
-              <a:t>として</a:t>
-            </a:r>
-            <a:r>
-              <a:rPr lang="ja-JP" altLang="en-US" dirty="0" smtClean="0"/>
-              <a:t>は</a:t>
+              <a:t>準備をさせるタイミングとしては</a:t>
             </a:r>
             <a:r>
               <a:rPr lang="ja-JP" altLang="en-US" dirty="0" smtClean="0">
@@ -56055,13 +55988,8 @@
             <a:pPr lvl="1"/>
             <a:r>
               <a:rPr lang="ja-JP" altLang="en-US" dirty="0" smtClean="0"/>
-              <a:t>これ</a:t>
-            </a:r>
-            <a:r>
-              <a:rPr lang="ja-JP" altLang="en-US" dirty="0" smtClean="0"/>
-              <a:t>までなぜ初日のガイダンスに彼らはちゃんとやってきたのだろうかと振り返って考えてみてください（つまり連絡チャネルはあるはず）</a:t>
-            </a:r>
-            <a:endParaRPr lang="ja-JP" altLang="en-US" dirty="0" smtClean="0"/>
+              <a:t>これまでなぜ初日のガイダンスに彼らはちゃんとやってきたのだろうかと振り返って考えてみてください（つまり連絡チャネルはあるはず）</a:t>
+            </a:r>
           </a:p>
         </p:txBody>
       </p:sp>
@@ -56172,12 +56100,22 @@
         </p:nvSpPr>
         <p:spPr/>
         <p:txBody>
-          <a:bodyPr/>
+          <a:bodyPr>
+            <a:normAutofit/>
+          </a:bodyPr>
           <a:lstStyle/>
           <a:p>
             <a:r>
+              <a:rPr kumimoji="1" lang="en-US" altLang="ja-JP" dirty="0" err="1" smtClean="0"/>
+              <a:t>UTokyo</a:t>
+            </a:r>
+            <a:r>
+              <a:rPr kumimoji="1" lang="en-US" altLang="ja-JP" dirty="0" smtClean="0"/>
+              <a:t> Account</a:t>
+            </a:r>
+            <a:r>
               <a:rPr kumimoji="1" lang="ja-JP" altLang="en-US" dirty="0" smtClean="0"/>
-              <a:t>現状について</a:t>
+              <a:t>の前倒し発行</a:t>
             </a:r>
             <a:endParaRPr kumimoji="1" lang="ja-JP" altLang="en-US" dirty="0"/>
           </a:p>
@@ -56199,45 +56137,55 @@
           <a:lstStyle/>
           <a:p>
             <a:r>
-              <a:rPr lang="ja-JP" altLang="en-US" dirty="0" smtClean="0"/>
-              <a:t>すでに学生は動いて</a:t>
-            </a:r>
-            <a:r>
-              <a:rPr lang="ja-JP" altLang="en-US" dirty="0" smtClean="0"/>
-              <a:t>いる</a:t>
-            </a:r>
-            <a:endParaRPr lang="en-US" altLang="ja-JP" dirty="0" smtClean="0"/>
+              <a:rPr kumimoji="1" lang="ja-JP" altLang="en-US" dirty="0" smtClean="0"/>
+              <a:t>通常すべては新年度</a:t>
+            </a:r>
+            <a:r>
+              <a:rPr kumimoji="1" lang="en-US" altLang="ja-JP" dirty="0" smtClean="0"/>
+              <a:t>4/1</a:t>
+            </a:r>
+            <a:r>
+              <a:rPr kumimoji="1" lang="ja-JP" altLang="en-US" dirty="0" smtClean="0"/>
+              <a:t>に始まる</a:t>
+            </a:r>
+            <a:endParaRPr kumimoji="1" lang="en-US" altLang="ja-JP" dirty="0" smtClean="0"/>
           </a:p>
           <a:p>
-            <a:r>
-              <a:rPr lang="ja-JP" altLang="en-US" dirty="0" smtClean="0"/>
-              <a:t>協力の輪が広がって</a:t>
-            </a:r>
-            <a:r>
-              <a:rPr lang="ja-JP" altLang="en-US" dirty="0" smtClean="0"/>
-              <a:t>いる</a:t>
-            </a:r>
-            <a:endParaRPr lang="en-US" altLang="ja-JP" dirty="0" smtClean="0"/>
+            <a:pPr lvl="1"/>
+            <a:r>
+              <a:rPr lang="en-US" altLang="ja-JP" dirty="0" err="1" smtClean="0"/>
+              <a:t>UTokyo</a:t>
+            </a:r>
+            <a:r>
+              <a:rPr lang="en-US" altLang="ja-JP" dirty="0" smtClean="0"/>
+              <a:t> Account, UTAS</a:t>
+            </a:r>
+            <a:endParaRPr kumimoji="1" lang="en-US" altLang="ja-JP" dirty="0" smtClean="0"/>
           </a:p>
           <a:p>
             <a:r>
-              <a:rPr lang="ja-JP" altLang="en-US" dirty="0" smtClean="0"/>
-              <a:t>学生</a:t>
-            </a:r>
-            <a:r>
-              <a:rPr lang="ja-JP" altLang="en-US" dirty="0" smtClean="0"/>
-              <a:t>からの自発的協力が始まっている</a:t>
-            </a:r>
-            <a:endParaRPr lang="en-US" altLang="ja-JP" dirty="0" smtClean="0"/>
+              <a:rPr kumimoji="1" lang="ja-JP" altLang="en-US" dirty="0" smtClean="0"/>
+              <a:t>準備のためにはそれでは遅い</a:t>
+            </a:r>
+            <a:endParaRPr kumimoji="1" lang="en-US" altLang="ja-JP" dirty="0" smtClean="0"/>
           </a:p>
           <a:p>
+            <a:pPr lvl="1"/>
             <a:r>
               <a:rPr kumimoji="1" lang="ja-JP" altLang="en-US" dirty="0" smtClean="0"/>
-              <a:t>大学間協力・連携も始まって</a:t>
-            </a:r>
-            <a:r>
-              <a:rPr kumimoji="1" lang="ja-JP" altLang="en-US" dirty="0" smtClean="0"/>
-              <a:t>いる</a:t>
+              <a:t>今前倒し発行ができるかを詳細調査中</a:t>
+            </a:r>
+            <a:endParaRPr kumimoji="1" lang="en-US" altLang="ja-JP" dirty="0" smtClean="0"/>
+          </a:p>
+          <a:p>
+            <a:pPr lvl="1"/>
+            <a:r>
+              <a:rPr lang="ja-JP" altLang="en-US" dirty="0" smtClean="0"/>
+              <a:t>近日中に</a:t>
+            </a:r>
+            <a:r>
+              <a:rPr lang="ja-JP" altLang="en-US" smtClean="0"/>
+              <a:t>アナウンス予定（部局教務の方よろしくお願いします）</a:t>
             </a:r>
             <a:endParaRPr kumimoji="1" lang="ja-JP" altLang="en-US" dirty="0"/>
           </a:p>
@@ -56355,7 +56303,7 @@
           <a:p>
             <a:r>
               <a:rPr kumimoji="1" lang="ja-JP" altLang="en-US" dirty="0" smtClean="0"/>
-              <a:t>すでに学生は動いている</a:t>
+              <a:t>現状について</a:t>
             </a:r>
             <a:endParaRPr kumimoji="1" lang="ja-JP" altLang="en-US" dirty="0"/>
           </a:p>
@@ -56377,68 +56325,29 @@
           <a:lstStyle/>
           <a:p>
             <a:r>
-              <a:rPr kumimoji="1" lang="ja-JP" altLang="en-US" dirty="0" smtClean="0"/>
-              <a:t>新大学一年生には</a:t>
-            </a:r>
-            <a:r>
-              <a:rPr kumimoji="1" lang="en-US" altLang="ja-JP" dirty="0" smtClean="0"/>
-              <a:t>3/19 </a:t>
-            </a:r>
-            <a:r>
-              <a:rPr kumimoji="1" lang="ja-JP" altLang="en-US" dirty="0" smtClean="0"/>
-              <a:t>の合格者に対する通知に </a:t>
-            </a:r>
-            <a:r>
-              <a:rPr kumimoji="1" lang="en-US" altLang="ja-JP" dirty="0" smtClean="0"/>
-              <a:t>URL </a:t>
-            </a:r>
-            <a:r>
-              <a:rPr kumimoji="1" lang="en-US" altLang="ja-JP" dirty="0" smtClean="0">
-                <a:hlinkClick r:id="rId2"/>
-              </a:rPr>
-              <a:t>https://utelecon.github.io/oc/</a:t>
-            </a:r>
-            <a:r>
-              <a:rPr lang="en-US" altLang="ja-JP" dirty="0" smtClean="0"/>
-              <a:t> </a:t>
-            </a:r>
-            <a:r>
-              <a:rPr kumimoji="1" lang="en-US" altLang="ja-JP" dirty="0" smtClean="0"/>
-              <a:t> </a:t>
-            </a:r>
-            <a:r>
-              <a:rPr kumimoji="1" lang="ja-JP" altLang="en-US" dirty="0" smtClean="0"/>
-              <a:t>を含めている</a:t>
-            </a:r>
-            <a:endParaRPr kumimoji="1" lang="en-US" altLang="ja-JP" dirty="0" smtClean="0"/>
-          </a:p>
-          <a:p>
-            <a:r>
-              <a:rPr lang="en-US" altLang="ja-JP" dirty="0" smtClean="0"/>
-              <a:t>Google Spreadsheet, Excel Online</a:t>
-            </a:r>
-            <a:r>
               <a:rPr lang="ja-JP" altLang="en-US" dirty="0" smtClean="0"/>
-              <a:t>へたどり着く学生の数が心の支え</a:t>
+              <a:t>すでに学生は動いている</a:t>
             </a:r>
             <a:endParaRPr lang="en-US" altLang="ja-JP" dirty="0" smtClean="0"/>
           </a:p>
           <a:p>
             <a:r>
+              <a:rPr lang="ja-JP" altLang="en-US" dirty="0" smtClean="0"/>
+              <a:t>協力の輪が広がっている</a:t>
+            </a:r>
+            <a:endParaRPr lang="en-US" altLang="ja-JP" dirty="0" smtClean="0"/>
+          </a:p>
+          <a:p>
+            <a:r>
+              <a:rPr lang="ja-JP" altLang="en-US" dirty="0" smtClean="0"/>
+              <a:t>学生からの自発的協力が始まっている</a:t>
+            </a:r>
+            <a:endParaRPr lang="en-US" altLang="ja-JP" dirty="0" smtClean="0"/>
+          </a:p>
+          <a:p>
+            <a:r>
               <a:rPr kumimoji="1" lang="ja-JP" altLang="en-US" dirty="0" smtClean="0"/>
-              <a:t>昨日「</a:t>
-            </a:r>
-            <a:r>
-              <a:rPr lang="ja-JP" altLang="en-US" dirty="0" smtClean="0"/>
-              <a:t>常時入室可能</a:t>
-            </a:r>
-            <a:r>
-              <a:rPr lang="en-US" altLang="ja-JP" dirty="0" smtClean="0"/>
-              <a:t>Zoom</a:t>
-            </a:r>
-            <a:r>
-              <a:rPr lang="ja-JP" altLang="en-US" dirty="0" smtClean="0"/>
-              <a:t>会議」を開設</a:t>
+              <a:t>大学間協力・連携も始まっている</a:t>
             </a:r>
             <a:endParaRPr kumimoji="1" lang="ja-JP" altLang="en-US" dirty="0"/>
           </a:p>
@@ -56556,7 +56465,90 @@
           <a:p>
             <a:r>
               <a:rPr kumimoji="1" lang="ja-JP" altLang="en-US" dirty="0" smtClean="0"/>
-              <a:t>現状（訪問者数）</a:t>
+              <a:t>すでに学生は動いている</a:t>
+            </a:r>
+            <a:endParaRPr kumimoji="1" lang="ja-JP" altLang="en-US" dirty="0"/>
+          </a:p>
+        </p:txBody>
+      </p:sp>
+      <p:sp>
+        <p:nvSpPr>
+          <p:cNvPr id="3" name="コンテンツ プレースホルダ 2"/>
+          <p:cNvSpPr>
+            <a:spLocks noGrp="1"/>
+          </p:cNvSpPr>
+          <p:nvPr>
+            <p:ph idx="1"/>
+          </p:nvPr>
+        </p:nvSpPr>
+        <p:spPr/>
+        <p:txBody>
+          <a:bodyPr/>
+          <a:lstStyle/>
+          <a:p>
+            <a:r>
+              <a:rPr kumimoji="1" lang="ja-JP" altLang="en-US" dirty="0" smtClean="0"/>
+              <a:t>新大学一年生には</a:t>
+            </a:r>
+            <a:r>
+              <a:rPr kumimoji="1" lang="en-US" altLang="ja-JP" dirty="0" smtClean="0"/>
+              <a:t>3/19 </a:t>
+            </a:r>
+            <a:r>
+              <a:rPr kumimoji="1" lang="ja-JP" altLang="en-US" dirty="0" smtClean="0"/>
+              <a:t>の合格者に対する通知に </a:t>
+            </a:r>
+            <a:r>
+              <a:rPr kumimoji="1" lang="en-US" altLang="ja-JP" dirty="0" smtClean="0"/>
+              <a:t>URL </a:t>
+            </a:r>
+            <a:r>
+              <a:rPr kumimoji="1" lang="en-US" altLang="ja-JP" dirty="0" smtClean="0">
+                <a:hlinkClick r:id="rId2"/>
+              </a:rPr>
+              <a:t>https://utelecon.github.io/oc/</a:t>
+            </a:r>
+            <a:r>
+              <a:rPr lang="en-US" altLang="ja-JP" dirty="0" smtClean="0"/>
+              <a:t> </a:t>
+            </a:r>
+            <a:r>
+              <a:rPr kumimoji="1" lang="en-US" altLang="ja-JP" dirty="0" smtClean="0"/>
+              <a:t> </a:t>
+            </a:r>
+            <a:r>
+              <a:rPr kumimoji="1" lang="ja-JP" altLang="en-US" dirty="0" smtClean="0"/>
+              <a:t>を含めている</a:t>
+            </a:r>
+            <a:endParaRPr kumimoji="1" lang="en-US" altLang="ja-JP" dirty="0" smtClean="0"/>
+          </a:p>
+          <a:p>
+            <a:r>
+              <a:rPr lang="en-US" altLang="ja-JP" dirty="0" smtClean="0"/>
+              <a:t>Google Spreadsheet, Excel Online</a:t>
+            </a:r>
+            <a:r>
+              <a:rPr lang="ja-JP" altLang="en-US" dirty="0" smtClean="0"/>
+              <a:t>へたどり着く学生の数が心の支え</a:t>
+            </a:r>
+            <a:endParaRPr lang="en-US" altLang="ja-JP" dirty="0" smtClean="0"/>
+          </a:p>
+          <a:p>
+            <a:r>
+              <a:rPr kumimoji="1" lang="ja-JP" altLang="en-US" dirty="0" smtClean="0"/>
+              <a:t>昨日「</a:t>
+            </a:r>
+            <a:r>
+              <a:rPr lang="ja-JP" altLang="en-US" dirty="0" smtClean="0"/>
+              <a:t>常時入室可能</a:t>
+            </a:r>
+            <a:r>
+              <a:rPr lang="en-US" altLang="ja-JP" dirty="0" smtClean="0"/>
+              <a:t>Zoom</a:t>
+            </a:r>
+            <a:r>
+              <a:rPr lang="ja-JP" altLang="en-US" dirty="0" smtClean="0"/>
+              <a:t>会議」を開設</a:t>
             </a:r>
             <a:endParaRPr kumimoji="1" lang="ja-JP" altLang="en-US" dirty="0"/>
           </a:p>
@@ -56632,30 +56624,6 @@
           </a:p>
         </p:txBody>
       </p:sp>
-      <p:pic>
-        <p:nvPicPr>
-          <p:cNvPr id="7" name="図 6" descr="pv.png"/>
-          <p:cNvPicPr>
-            <a:picLocks noChangeAspect="1"/>
-          </p:cNvPicPr>
-          <p:nvPr/>
-        </p:nvPicPr>
-        <p:blipFill>
-          <a:blip r:embed="rId2" cstate="print"/>
-          <a:stretch>
-            <a:fillRect/>
-          </a:stretch>
-        </p:blipFill>
-        <p:spPr>
-          <a:xfrm>
-            <a:off x="683568" y="1628800"/>
-            <a:ext cx="6120680" cy="4714578"/>
-          </a:xfrm>
-          <a:prstGeom prst="rect">
-            <a:avLst/>
-          </a:prstGeom>
-        </p:spPr>
-      </p:pic>
     </p:spTree>
   </p:cSld>
   <p:clrMapOvr>
@@ -56698,7 +56666,7 @@
           <a:p>
             <a:r>
               <a:rPr kumimoji="1" lang="ja-JP" altLang="en-US" dirty="0" smtClean="0"/>
-              <a:t>ページごとの訪問数</a:t>
+              <a:t>現状（訪問者数）</a:t>
             </a:r>
             <a:endParaRPr kumimoji="1" lang="ja-JP" altLang="en-US" dirty="0"/>
           </a:p>
@@ -56776,7 +56744,7 @@
       </p:sp>
       <p:pic>
         <p:nvPicPr>
-          <p:cNvPr id="8" name="図 7" descr="page_views.png"/>
+          <p:cNvPr id="7" name="図 6" descr="pv.png"/>
           <p:cNvPicPr>
             <a:picLocks noChangeAspect="1"/>
           </p:cNvPicPr>
@@ -56790,8 +56758,8 @@
         </p:blipFill>
         <p:spPr>
           <a:xfrm>
-            <a:off x="467544" y="1556791"/>
-            <a:ext cx="5472608" cy="4898867"/>
+            <a:off x="683568" y="1628800"/>
+            <a:ext cx="6120680" cy="4714578"/>
           </a:xfrm>
           <a:prstGeom prst="rect">
             <a:avLst/>
@@ -56835,18 +56803,12 @@
         </p:nvSpPr>
         <p:spPr/>
         <p:txBody>
-          <a:bodyPr>
-            <a:normAutofit/>
-          </a:bodyPr>
+          <a:bodyPr/>
           <a:lstStyle/>
           <a:p>
             <a:r>
-              <a:rPr lang="en-US" altLang="ja-JP" dirty="0" smtClean="0"/>
-              <a:t>Google Spreadsheet</a:t>
-            </a:r>
-            <a:r>
-              <a:rPr lang="ja-JP" altLang="en-US" dirty="0" smtClean="0"/>
-              <a:t>到達数</a:t>
+              <a:rPr kumimoji="1" lang="ja-JP" altLang="en-US" dirty="0" smtClean="0"/>
+              <a:t>ページごとの訪問数</a:t>
             </a:r>
             <a:endParaRPr kumimoji="1" lang="ja-JP" altLang="en-US" dirty="0"/>
           </a:p>
@@ -56917,6 +56879,154 @@
               <a:rPr kumimoji="1" lang="ja-JP" altLang="en-US" smtClean="0"/>
               <a:pPr/>
               <a:t>27</a:t>
+            </a:fld>
+            <a:endParaRPr kumimoji="1" lang="ja-JP" altLang="en-US"/>
+          </a:p>
+        </p:txBody>
+      </p:sp>
+      <p:pic>
+        <p:nvPicPr>
+          <p:cNvPr id="8" name="図 7" descr="page_views.png"/>
+          <p:cNvPicPr>
+            <a:picLocks noChangeAspect="1"/>
+          </p:cNvPicPr>
+          <p:nvPr/>
+        </p:nvPicPr>
+        <p:blipFill>
+          <a:blip r:embed="rId2" cstate="print"/>
+          <a:stretch>
+            <a:fillRect/>
+          </a:stretch>
+        </p:blipFill>
+        <p:spPr>
+          <a:xfrm>
+            <a:off x="467544" y="1556791"/>
+            <a:ext cx="5472608" cy="4898867"/>
+          </a:xfrm>
+          <a:prstGeom prst="rect">
+            <a:avLst/>
+          </a:prstGeom>
+        </p:spPr>
+      </p:pic>
+    </p:spTree>
+  </p:cSld>
+  <p:clrMapOvr>
+    <a:masterClrMapping/>
+  </p:clrMapOvr>
+</p:sld>
+</file>
+
+<file path=ppt/slides/slide28.xml><?xml version="1.0" encoding="utf-8"?>
+<p:sld xmlns:a="http://schemas.openxmlformats.org/drawingml/2006/main" xmlns:r="http://schemas.openxmlformats.org/officeDocument/2006/relationships" xmlns:p="http://schemas.openxmlformats.org/presentationml/2006/main">
+  <p:cSld>
+    <p:spTree>
+      <p:nvGrpSpPr>
+        <p:cNvPr id="1" name=""/>
+        <p:cNvGrpSpPr/>
+        <p:nvPr/>
+      </p:nvGrpSpPr>
+      <p:grpSpPr>
+        <a:xfrm>
+          <a:off x="0" y="0"/>
+          <a:ext cx="0" cy="0"/>
+          <a:chOff x="0" y="0"/>
+          <a:chExt cx="0" cy="0"/>
+        </a:xfrm>
+      </p:grpSpPr>
+      <p:sp>
+        <p:nvSpPr>
+          <p:cNvPr id="2" name="タイトル 1"/>
+          <p:cNvSpPr>
+            <a:spLocks noGrp="1"/>
+          </p:cNvSpPr>
+          <p:nvPr>
+            <p:ph type="title"/>
+          </p:nvPr>
+        </p:nvSpPr>
+        <p:spPr/>
+        <p:txBody>
+          <a:bodyPr>
+            <a:normAutofit/>
+          </a:bodyPr>
+          <a:lstStyle/>
+          <a:p>
+            <a:r>
+              <a:rPr lang="en-US" altLang="ja-JP" dirty="0" smtClean="0"/>
+              <a:t>Google Spreadsheet</a:t>
+            </a:r>
+            <a:r>
+              <a:rPr lang="ja-JP" altLang="en-US" dirty="0" smtClean="0"/>
+              <a:t>到達数</a:t>
+            </a:r>
+            <a:endParaRPr kumimoji="1" lang="ja-JP" altLang="en-US" dirty="0"/>
+          </a:p>
+        </p:txBody>
+      </p:sp>
+      <p:sp>
+        <p:nvSpPr>
+          <p:cNvPr id="4" name="日付プレースホルダ 3"/>
+          <p:cNvSpPr>
+            <a:spLocks noGrp="1"/>
+          </p:cNvSpPr>
+          <p:nvPr>
+            <p:ph type="dt" sz="half" idx="10"/>
+          </p:nvPr>
+        </p:nvSpPr>
+        <p:spPr/>
+        <p:txBody>
+          <a:bodyPr/>
+          <a:lstStyle/>
+          <a:p>
+            <a:r>
+              <a:rPr kumimoji="1" lang="en-US" altLang="ja-JP" smtClean="0"/>
+              <a:t>2020/3/26</a:t>
+            </a:r>
+            <a:endParaRPr kumimoji="1" lang="ja-JP" altLang="en-US"/>
+          </a:p>
+        </p:txBody>
+      </p:sp>
+      <p:sp>
+        <p:nvSpPr>
+          <p:cNvPr id="5" name="フッター プレースホルダ 4"/>
+          <p:cNvSpPr>
+            <a:spLocks noGrp="1"/>
+          </p:cNvSpPr>
+          <p:nvPr>
+            <p:ph type="ftr" sz="quarter" idx="11"/>
+          </p:nvPr>
+        </p:nvSpPr>
+        <p:spPr/>
+        <p:txBody>
+          <a:bodyPr/>
+          <a:lstStyle/>
+          <a:p>
+            <a:r>
+              <a:rPr kumimoji="1" lang="en-US" altLang="ja-JP" smtClean="0"/>
+              <a:t>utelecon.github.io</a:t>
+            </a:r>
+            <a:endParaRPr kumimoji="1" lang="ja-JP" altLang="en-US"/>
+          </a:p>
+        </p:txBody>
+      </p:sp>
+      <p:sp>
+        <p:nvSpPr>
+          <p:cNvPr id="6" name="スライド番号プレースホルダ 5"/>
+          <p:cNvSpPr>
+            <a:spLocks noGrp="1"/>
+          </p:cNvSpPr>
+          <p:nvPr>
+            <p:ph type="sldNum" sz="quarter" idx="12"/>
+          </p:nvPr>
+        </p:nvSpPr>
+        <p:spPr/>
+        <p:txBody>
+          <a:bodyPr/>
+          <a:lstStyle/>
+          <a:p>
+            <a:fld id="{EDF77D8D-9987-453A-9A05-EB91CA595C68}" type="slidenum">
+              <a:rPr kumimoji="1" lang="ja-JP" altLang="en-US" smtClean="0"/>
+              <a:pPr/>
+              <a:t>28</a:t>
             </a:fld>
             <a:endParaRPr kumimoji="1" lang="ja-JP" altLang="en-US"/>
           </a:p>
@@ -57020,7 +57130,7 @@
 </p:sld>
 </file>
 
-<file path=ppt/slides/slide28.xml><?xml version="1.0" encoding="utf-8"?>
+<file path=ppt/slides/slide29.xml><?xml version="1.0" encoding="utf-8"?>
 <p:sld xmlns:a="http://schemas.openxmlformats.org/drawingml/2006/main" xmlns:r="http://schemas.openxmlformats.org/officeDocument/2006/relationships" xmlns:p="http://schemas.openxmlformats.org/presentationml/2006/main">
   <p:cSld>
     <p:spTree>
@@ -57088,22 +57198,14 @@
           <a:p>
             <a:r>
               <a:rPr lang="ja-JP" altLang="en-US" dirty="0" smtClean="0"/>
-              <a:t>工学</a:t>
-            </a:r>
-            <a:r>
-              <a:rPr lang="ja-JP" altLang="en-US" dirty="0" smtClean="0"/>
-              <a:t>系（教員執筆資料提供）</a:t>
+              <a:t>工学系（教員執筆資料提供）</a:t>
             </a:r>
             <a:endParaRPr kumimoji="1" lang="en-US" altLang="ja-JP" dirty="0" smtClean="0"/>
           </a:p>
           <a:p>
             <a:r>
               <a:rPr lang="ja-JP" altLang="en-US" dirty="0" smtClean="0"/>
-              <a:t>経営企画部国際</a:t>
-            </a:r>
-            <a:r>
-              <a:rPr lang="ja-JP" altLang="en-US" dirty="0" smtClean="0"/>
-              <a:t>戦略課（英訳提）</a:t>
+              <a:t>経営企画部国際戦略課（英訳提）</a:t>
             </a:r>
             <a:endParaRPr lang="en-US" altLang="ja-JP" dirty="0" smtClean="0"/>
           </a:p>
@@ -57117,290 +57219,6 @@
               <a:t>（次ページ）</a:t>
             </a:r>
             <a:endParaRPr kumimoji="1" lang="en-US" altLang="ja-JP" dirty="0" smtClean="0"/>
-          </a:p>
-        </p:txBody>
-      </p:sp>
-      <p:sp>
-        <p:nvSpPr>
-          <p:cNvPr id="4" name="日付プレースホルダ 3"/>
-          <p:cNvSpPr>
-            <a:spLocks noGrp="1"/>
-          </p:cNvSpPr>
-          <p:nvPr>
-            <p:ph type="dt" sz="half" idx="10"/>
-          </p:nvPr>
-        </p:nvSpPr>
-        <p:spPr/>
-        <p:txBody>
-          <a:bodyPr/>
-          <a:lstStyle/>
-          <a:p>
-            <a:r>
-              <a:rPr kumimoji="1" lang="en-US" altLang="ja-JP" smtClean="0"/>
-              <a:t>2020/3/26</a:t>
-            </a:r>
-            <a:endParaRPr kumimoji="1" lang="ja-JP" altLang="en-US"/>
-          </a:p>
-        </p:txBody>
-      </p:sp>
-      <p:sp>
-        <p:nvSpPr>
-          <p:cNvPr id="5" name="フッター プレースホルダ 4"/>
-          <p:cNvSpPr>
-            <a:spLocks noGrp="1"/>
-          </p:cNvSpPr>
-          <p:nvPr>
-            <p:ph type="ftr" sz="quarter" idx="11"/>
-          </p:nvPr>
-        </p:nvSpPr>
-        <p:spPr/>
-        <p:txBody>
-          <a:bodyPr/>
-          <a:lstStyle/>
-          <a:p>
-            <a:r>
-              <a:rPr kumimoji="1" lang="en-US" altLang="ja-JP" smtClean="0"/>
-              <a:t>utelecon.github.io</a:t>
-            </a:r>
-            <a:endParaRPr kumimoji="1" lang="ja-JP" altLang="en-US"/>
-          </a:p>
-        </p:txBody>
-      </p:sp>
-      <p:sp>
-        <p:nvSpPr>
-          <p:cNvPr id="6" name="スライド番号プレースホルダ 5"/>
-          <p:cNvSpPr>
-            <a:spLocks noGrp="1"/>
-          </p:cNvSpPr>
-          <p:nvPr>
-            <p:ph type="sldNum" sz="quarter" idx="12"/>
-          </p:nvPr>
-        </p:nvSpPr>
-        <p:spPr/>
-        <p:txBody>
-          <a:bodyPr/>
-          <a:lstStyle/>
-          <a:p>
-            <a:fld id="{EDF77D8D-9987-453A-9A05-EB91CA595C68}" type="slidenum">
-              <a:rPr kumimoji="1" lang="ja-JP" altLang="en-US" smtClean="0"/>
-              <a:pPr/>
-              <a:t>28</a:t>
-            </a:fld>
-            <a:endParaRPr kumimoji="1" lang="ja-JP" altLang="en-US"/>
-          </a:p>
-        </p:txBody>
-      </p:sp>
-    </p:spTree>
-  </p:cSld>
-  <p:clrMapOvr>
-    <a:masterClrMapping/>
-  </p:clrMapOvr>
-</p:sld>
-</file>
-
-<file path=ppt/slides/slide29.xml><?xml version="1.0" encoding="utf-8"?>
-<p:sld xmlns:a="http://schemas.openxmlformats.org/drawingml/2006/main" xmlns:r="http://schemas.openxmlformats.org/officeDocument/2006/relationships" xmlns:p="http://schemas.openxmlformats.org/presentationml/2006/main">
-  <p:cSld>
-    <p:spTree>
-      <p:nvGrpSpPr>
-        <p:cNvPr id="1" name=""/>
-        <p:cNvGrpSpPr/>
-        <p:nvPr/>
-      </p:nvGrpSpPr>
-      <p:grpSpPr>
-        <a:xfrm>
-          <a:off x="0" y="0"/>
-          <a:ext cx="0" cy="0"/>
-          <a:chOff x="0" y="0"/>
-          <a:chExt cx="0" cy="0"/>
-        </a:xfrm>
-      </p:grpSpPr>
-      <p:sp>
-        <p:nvSpPr>
-          <p:cNvPr id="2" name="タイトル 1"/>
-          <p:cNvSpPr>
-            <a:spLocks noGrp="1"/>
-          </p:cNvSpPr>
-          <p:nvPr>
-            <p:ph type="title"/>
-          </p:nvPr>
-        </p:nvSpPr>
-        <p:spPr/>
-        <p:txBody>
-          <a:bodyPr/>
-          <a:lstStyle/>
-          <a:p>
-            <a:r>
-              <a:rPr kumimoji="1" lang="ja-JP" altLang="en-US" dirty="0" smtClean="0"/>
-              <a:t>学生からの協力</a:t>
-            </a:r>
-            <a:endParaRPr kumimoji="1" lang="ja-JP" altLang="en-US" dirty="0"/>
-          </a:p>
-        </p:txBody>
-      </p:sp>
-      <p:sp>
-        <p:nvSpPr>
-          <p:cNvPr id="3" name="コンテンツ プレースホルダ 2"/>
-          <p:cNvSpPr>
-            <a:spLocks noGrp="1"/>
-          </p:cNvSpPr>
-          <p:nvPr>
-            <p:ph idx="1"/>
-          </p:nvPr>
-        </p:nvSpPr>
-        <p:spPr/>
-        <p:txBody>
-          <a:bodyPr>
-            <a:normAutofit fontScale="92500" lnSpcReduction="20000"/>
-          </a:bodyPr>
-          <a:lstStyle/>
-          <a:p>
-            <a:pPr marL="342900" lvl="1" indent="-342900">
-              <a:buClr>
-                <a:schemeClr val="accent1">
-                  <a:shade val="75000"/>
-                </a:schemeClr>
-              </a:buClr>
-              <a:buSzPct val="60000"/>
-            </a:pPr>
-            <a:r>
-              <a:rPr lang="ja-JP" altLang="en-US" dirty="0" smtClean="0">
-                <a:solidFill>
-                  <a:schemeClr val="tx2">
-                    <a:lumMod val="50000"/>
-                    <a:lumOff val="50000"/>
-                  </a:schemeClr>
-                </a:solidFill>
-              </a:rPr>
-              <a:t>ポータルページ執筆に協力したいと言ってきてくれた学生</a:t>
-            </a:r>
-            <a:endParaRPr lang="en-US" altLang="ja-JP" dirty="0" smtClean="0">
-              <a:solidFill>
-                <a:schemeClr val="tx2">
-                  <a:lumMod val="50000"/>
-                  <a:lumOff val="50000"/>
-                </a:schemeClr>
-              </a:solidFill>
-            </a:endParaRPr>
-          </a:p>
-          <a:p>
-            <a:pPr marL="342900" lvl="1" indent="-342900">
-              <a:buClr>
-                <a:schemeClr val="accent1">
-                  <a:shade val="75000"/>
-                </a:schemeClr>
-              </a:buClr>
-              <a:buSzPct val="60000"/>
-            </a:pPr>
-            <a:r>
-              <a:rPr lang="en-US" altLang="ja-JP" dirty="0" smtClean="0">
-                <a:solidFill>
-                  <a:schemeClr val="tx2">
-                    <a:lumMod val="50000"/>
-                    <a:lumOff val="50000"/>
-                  </a:schemeClr>
-                </a:solidFill>
-              </a:rPr>
-              <a:t>QA</a:t>
-            </a:r>
-            <a:r>
-              <a:rPr lang="ja-JP" altLang="en-US" dirty="0" smtClean="0">
-                <a:solidFill>
-                  <a:schemeClr val="tx2">
-                    <a:lumMod val="50000"/>
-                    <a:lumOff val="50000"/>
-                  </a:schemeClr>
-                </a:solidFill>
-              </a:rPr>
-              <a:t>フォーラムへの技術的質問への</a:t>
-            </a:r>
-            <a:r>
-              <a:rPr lang="ja-JP" altLang="en-US" dirty="0" smtClean="0">
-                <a:solidFill>
-                  <a:schemeClr val="tx2">
-                    <a:lumMod val="50000"/>
-                    <a:lumOff val="50000"/>
-                  </a:schemeClr>
-                </a:solidFill>
-              </a:rPr>
-              <a:t>返答をしてくれる学生</a:t>
-            </a:r>
-            <a:endParaRPr lang="en-US" altLang="ja-JP" dirty="0" smtClean="0">
-              <a:solidFill>
-                <a:schemeClr val="tx2">
-                  <a:lumMod val="50000"/>
-                  <a:lumOff val="50000"/>
-                </a:schemeClr>
-              </a:solidFill>
-            </a:endParaRPr>
-          </a:p>
-          <a:p>
-            <a:pPr marL="342900" lvl="1" indent="-342900">
-              <a:buClr>
-                <a:schemeClr val="accent1">
-                  <a:shade val="75000"/>
-                </a:schemeClr>
-              </a:buClr>
-              <a:buSzPct val="60000"/>
-            </a:pPr>
-            <a:r>
-              <a:rPr lang="ja-JP" altLang="en-US" dirty="0" smtClean="0"/>
-              <a:t>現在はひとえに「受け入れ側」「組織化」の準備ができていない（指示なしで動いてくれることは非常にありがたい）</a:t>
-            </a:r>
-            <a:endParaRPr lang="en-US" altLang="ja-JP" dirty="0" smtClean="0"/>
-          </a:p>
-          <a:p>
-            <a:pPr marL="342900" lvl="1" indent="-342900">
-              <a:buClr>
-                <a:schemeClr val="accent1">
-                  <a:shade val="75000"/>
-                </a:schemeClr>
-              </a:buClr>
-              <a:buSzPct val="60000"/>
-            </a:pPr>
-            <a:r>
-              <a:rPr lang="ja-JP" altLang="en-US" dirty="0" smtClean="0"/>
-              <a:t>部局で</a:t>
-            </a:r>
-            <a:r>
-              <a:rPr lang="en-US" altLang="ja-JP" dirty="0" smtClean="0"/>
-              <a:t>TA</a:t>
-            </a:r>
-            <a:r>
-              <a:rPr lang="ja-JP" altLang="en-US" dirty="0" smtClean="0"/>
-              <a:t>を組織化しているところは進めていただくのでよい（私見）</a:t>
-            </a:r>
-            <a:endParaRPr lang="en-US" altLang="ja-JP" dirty="0" smtClean="0"/>
-          </a:p>
-          <a:p>
-            <a:pPr marL="342900" lvl="1" indent="-342900">
-              <a:buClr>
-                <a:schemeClr val="accent1">
-                  <a:shade val="75000"/>
-                </a:schemeClr>
-              </a:buClr>
-              <a:buSzPct val="60000"/>
-            </a:pPr>
-            <a:r>
-              <a:rPr lang="ja-JP" altLang="en-US" dirty="0" smtClean="0"/>
-              <a:t>「他部局のヘルプ」も可能な形を作る必要がある</a:t>
-            </a:r>
-            <a:endParaRPr lang="en-US" altLang="ja-JP" dirty="0" smtClean="0"/>
-          </a:p>
-          <a:p>
-            <a:pPr marL="342900" lvl="1" indent="-342900">
-              <a:buClr>
-                <a:schemeClr val="accent1">
-                  <a:shade val="75000"/>
-                </a:schemeClr>
-              </a:buClr>
-              <a:buSzPct val="60000"/>
-            </a:pPr>
-            <a:r>
-              <a:rPr lang="ja-JP" altLang="en-US" dirty="0" smtClean="0"/>
-              <a:t>難しい撮影や接続トラブルの「現場対応」を学生に丸投げしてはならない（私見）</a:t>
-            </a:r>
-            <a:endParaRPr lang="en-US" altLang="ja-JP" dirty="0" smtClean="0"/>
           </a:p>
         </p:txBody>
       </p:sp>
@@ -58333,6 +58151,279 @@
           <a:p>
             <a:r>
               <a:rPr kumimoji="1" lang="ja-JP" altLang="en-US" dirty="0" smtClean="0"/>
+              <a:t>学生からの協力</a:t>
+            </a:r>
+            <a:endParaRPr kumimoji="1" lang="ja-JP" altLang="en-US" dirty="0"/>
+          </a:p>
+        </p:txBody>
+      </p:sp>
+      <p:sp>
+        <p:nvSpPr>
+          <p:cNvPr id="3" name="コンテンツ プレースホルダ 2"/>
+          <p:cNvSpPr>
+            <a:spLocks noGrp="1"/>
+          </p:cNvSpPr>
+          <p:nvPr>
+            <p:ph idx="1"/>
+          </p:nvPr>
+        </p:nvSpPr>
+        <p:spPr/>
+        <p:txBody>
+          <a:bodyPr>
+            <a:normAutofit fontScale="92500" lnSpcReduction="20000"/>
+          </a:bodyPr>
+          <a:lstStyle/>
+          <a:p>
+            <a:pPr marL="342900" lvl="1" indent="-342900">
+              <a:buClr>
+                <a:schemeClr val="accent1">
+                  <a:shade val="75000"/>
+                </a:schemeClr>
+              </a:buClr>
+              <a:buSzPct val="60000"/>
+            </a:pPr>
+            <a:r>
+              <a:rPr lang="ja-JP" altLang="en-US" dirty="0" smtClean="0">
+                <a:solidFill>
+                  <a:schemeClr val="tx2">
+                    <a:lumMod val="50000"/>
+                    <a:lumOff val="50000"/>
+                  </a:schemeClr>
+                </a:solidFill>
+              </a:rPr>
+              <a:t>ポータルページ執筆に協力したいと言ってきてくれた学生</a:t>
+            </a:r>
+            <a:endParaRPr lang="en-US" altLang="ja-JP" dirty="0" smtClean="0">
+              <a:solidFill>
+                <a:schemeClr val="tx2">
+                  <a:lumMod val="50000"/>
+                  <a:lumOff val="50000"/>
+                </a:schemeClr>
+              </a:solidFill>
+            </a:endParaRPr>
+          </a:p>
+          <a:p>
+            <a:pPr marL="342900" lvl="1" indent="-342900">
+              <a:buClr>
+                <a:schemeClr val="accent1">
+                  <a:shade val="75000"/>
+                </a:schemeClr>
+              </a:buClr>
+              <a:buSzPct val="60000"/>
+            </a:pPr>
+            <a:r>
+              <a:rPr lang="en-US" altLang="ja-JP" dirty="0" smtClean="0">
+                <a:solidFill>
+                  <a:schemeClr val="tx2">
+                    <a:lumMod val="50000"/>
+                    <a:lumOff val="50000"/>
+                  </a:schemeClr>
+                </a:solidFill>
+              </a:rPr>
+              <a:t>QA</a:t>
+            </a:r>
+            <a:r>
+              <a:rPr lang="ja-JP" altLang="en-US" dirty="0" smtClean="0">
+                <a:solidFill>
+                  <a:schemeClr val="tx2">
+                    <a:lumMod val="50000"/>
+                    <a:lumOff val="50000"/>
+                  </a:schemeClr>
+                </a:solidFill>
+              </a:rPr>
+              <a:t>フォーラムへの技術的質問への返答をしてくれる学生</a:t>
+            </a:r>
+            <a:endParaRPr lang="en-US" altLang="ja-JP" dirty="0" smtClean="0">
+              <a:solidFill>
+                <a:schemeClr val="tx2">
+                  <a:lumMod val="50000"/>
+                  <a:lumOff val="50000"/>
+                </a:schemeClr>
+              </a:solidFill>
+            </a:endParaRPr>
+          </a:p>
+          <a:p>
+            <a:pPr marL="342900" lvl="1" indent="-342900">
+              <a:buClr>
+                <a:schemeClr val="accent1">
+                  <a:shade val="75000"/>
+                </a:schemeClr>
+              </a:buClr>
+              <a:buSzPct val="60000"/>
+            </a:pPr>
+            <a:r>
+              <a:rPr lang="ja-JP" altLang="en-US" dirty="0" smtClean="0"/>
+              <a:t>現在はひとえに「受け入れ側」「組織化」の準備ができていない（指示なしで動いてくれることは非常にありがたい）</a:t>
+            </a:r>
+            <a:endParaRPr lang="en-US" altLang="ja-JP" dirty="0" smtClean="0"/>
+          </a:p>
+          <a:p>
+            <a:pPr marL="342900" lvl="1" indent="-342900">
+              <a:buClr>
+                <a:schemeClr val="accent1">
+                  <a:shade val="75000"/>
+                </a:schemeClr>
+              </a:buClr>
+              <a:buSzPct val="60000"/>
+            </a:pPr>
+            <a:r>
+              <a:rPr lang="ja-JP" altLang="en-US" dirty="0" smtClean="0"/>
+              <a:t>部局で</a:t>
+            </a:r>
+            <a:r>
+              <a:rPr lang="en-US" altLang="ja-JP" dirty="0" smtClean="0"/>
+              <a:t>TA</a:t>
+            </a:r>
+            <a:r>
+              <a:rPr lang="ja-JP" altLang="en-US" dirty="0" smtClean="0"/>
+              <a:t>を組織化しているところは進めていただくのでよい（私見）</a:t>
+            </a:r>
+            <a:endParaRPr lang="en-US" altLang="ja-JP" dirty="0" smtClean="0"/>
+          </a:p>
+          <a:p>
+            <a:pPr marL="342900" lvl="1" indent="-342900">
+              <a:buClr>
+                <a:schemeClr val="accent1">
+                  <a:shade val="75000"/>
+                </a:schemeClr>
+              </a:buClr>
+              <a:buSzPct val="60000"/>
+            </a:pPr>
+            <a:r>
+              <a:rPr lang="ja-JP" altLang="en-US" dirty="0" smtClean="0"/>
+              <a:t>「他部局のヘルプ」も可能な形を作る必要がある</a:t>
+            </a:r>
+            <a:endParaRPr lang="en-US" altLang="ja-JP" dirty="0" smtClean="0"/>
+          </a:p>
+          <a:p>
+            <a:pPr marL="342900" lvl="1" indent="-342900">
+              <a:buClr>
+                <a:schemeClr val="accent1">
+                  <a:shade val="75000"/>
+                </a:schemeClr>
+              </a:buClr>
+              <a:buSzPct val="60000"/>
+            </a:pPr>
+            <a:r>
+              <a:rPr lang="ja-JP" altLang="en-US" dirty="0" smtClean="0"/>
+              <a:t>難しい撮影や接続トラブルの「現場対応」を学生に丸投げしてはならない（私見）</a:t>
+            </a:r>
+            <a:endParaRPr lang="en-US" altLang="ja-JP" dirty="0" smtClean="0"/>
+          </a:p>
+        </p:txBody>
+      </p:sp>
+      <p:sp>
+        <p:nvSpPr>
+          <p:cNvPr id="4" name="日付プレースホルダ 3"/>
+          <p:cNvSpPr>
+            <a:spLocks noGrp="1"/>
+          </p:cNvSpPr>
+          <p:nvPr>
+            <p:ph type="dt" sz="half" idx="10"/>
+          </p:nvPr>
+        </p:nvSpPr>
+        <p:spPr/>
+        <p:txBody>
+          <a:bodyPr/>
+          <a:lstStyle/>
+          <a:p>
+            <a:r>
+              <a:rPr kumimoji="1" lang="en-US" altLang="ja-JP" smtClean="0"/>
+              <a:t>2020/3/26</a:t>
+            </a:r>
+            <a:endParaRPr kumimoji="1" lang="ja-JP" altLang="en-US"/>
+          </a:p>
+        </p:txBody>
+      </p:sp>
+      <p:sp>
+        <p:nvSpPr>
+          <p:cNvPr id="5" name="フッター プレースホルダ 4"/>
+          <p:cNvSpPr>
+            <a:spLocks noGrp="1"/>
+          </p:cNvSpPr>
+          <p:nvPr>
+            <p:ph type="ftr" sz="quarter" idx="11"/>
+          </p:nvPr>
+        </p:nvSpPr>
+        <p:spPr/>
+        <p:txBody>
+          <a:bodyPr/>
+          <a:lstStyle/>
+          <a:p>
+            <a:r>
+              <a:rPr kumimoji="1" lang="en-US" altLang="ja-JP" smtClean="0"/>
+              <a:t>utelecon.github.io</a:t>
+            </a:r>
+            <a:endParaRPr kumimoji="1" lang="ja-JP" altLang="en-US"/>
+          </a:p>
+        </p:txBody>
+      </p:sp>
+      <p:sp>
+        <p:nvSpPr>
+          <p:cNvPr id="6" name="スライド番号プレースホルダ 5"/>
+          <p:cNvSpPr>
+            <a:spLocks noGrp="1"/>
+          </p:cNvSpPr>
+          <p:nvPr>
+            <p:ph type="sldNum" sz="quarter" idx="12"/>
+          </p:nvPr>
+        </p:nvSpPr>
+        <p:spPr/>
+        <p:txBody>
+          <a:bodyPr/>
+          <a:lstStyle/>
+          <a:p>
+            <a:fld id="{EDF77D8D-9987-453A-9A05-EB91CA595C68}" type="slidenum">
+              <a:rPr kumimoji="1" lang="ja-JP" altLang="en-US" smtClean="0"/>
+              <a:pPr/>
+              <a:t>30</a:t>
+            </a:fld>
+            <a:endParaRPr kumimoji="1" lang="ja-JP" altLang="en-US"/>
+          </a:p>
+        </p:txBody>
+      </p:sp>
+    </p:spTree>
+  </p:cSld>
+  <p:clrMapOvr>
+    <a:masterClrMapping/>
+  </p:clrMapOvr>
+</p:sld>
+</file>
+
+<file path=ppt/slides/slide31.xml><?xml version="1.0" encoding="utf-8"?>
+<p:sld xmlns:a="http://schemas.openxmlformats.org/drawingml/2006/main" xmlns:r="http://schemas.openxmlformats.org/officeDocument/2006/relationships" xmlns:p="http://schemas.openxmlformats.org/presentationml/2006/main">
+  <p:cSld>
+    <p:spTree>
+      <p:nvGrpSpPr>
+        <p:cNvPr id="1" name=""/>
+        <p:cNvGrpSpPr/>
+        <p:nvPr/>
+      </p:nvGrpSpPr>
+      <p:grpSpPr>
+        <a:xfrm>
+          <a:off x="0" y="0"/>
+          <a:ext cx="0" cy="0"/>
+          <a:chOff x="0" y="0"/>
+          <a:chExt cx="0" cy="0"/>
+        </a:xfrm>
+      </p:grpSpPr>
+      <p:sp>
+        <p:nvSpPr>
+          <p:cNvPr id="2" name="タイトル 1"/>
+          <p:cNvSpPr>
+            <a:spLocks noGrp="1"/>
+          </p:cNvSpPr>
+          <p:nvPr>
+            <p:ph type="title"/>
+          </p:nvPr>
+        </p:nvSpPr>
+        <p:spPr/>
+        <p:txBody>
+          <a:bodyPr/>
+          <a:lstStyle/>
+          <a:p>
+            <a:r>
+              <a:rPr kumimoji="1" lang="ja-JP" altLang="en-US" dirty="0" smtClean="0"/>
               <a:t>大学間連携も始まっている</a:t>
             </a:r>
             <a:endParaRPr kumimoji="1" lang="ja-JP" altLang="en-US" dirty="0"/>
@@ -58387,15 +58478,7 @@
             </a:r>
             <a:r>
               <a:rPr lang="ja-JP" altLang="en-US" dirty="0" smtClean="0"/>
-              <a:t>月</a:t>
-            </a:r>
-            <a:r>
-              <a:rPr lang="ja-JP" altLang="en-US" dirty="0" smtClean="0"/>
-              <a:t>からの大学等遠隔授業に関する取組状況共有</a:t>
-            </a:r>
-            <a:r>
-              <a:rPr lang="ja-JP" altLang="en-US" dirty="0" smtClean="0"/>
-              <a:t>サイバーシンポジウム」</a:t>
+              <a:t>月からの大学等遠隔授業に関する取組状況共有サイバーシンポジウム」</a:t>
             </a:r>
             <a:endParaRPr lang="en-US" altLang="ja-JP" dirty="0" smtClean="0"/>
           </a:p>
@@ -58469,7 +58552,7 @@
             <a:fld id="{EDF77D8D-9987-453A-9A05-EB91CA595C68}" type="slidenum">
               <a:rPr kumimoji="1" lang="ja-JP" altLang="en-US" smtClean="0"/>
               <a:pPr/>
-              <a:t>30</a:t>
+              <a:t>31</a:t>
             </a:fld>
             <a:endParaRPr kumimoji="1" lang="ja-JP" altLang="en-US"/>
           </a:p>
@@ -61391,11 +61474,7 @@
             </a:r>
             <a:r>
               <a:rPr kumimoji="1" lang="ja-JP" altLang="en-US" dirty="0" smtClean="0"/>
-              <a:t>の</a:t>
-            </a:r>
-            <a:r>
-              <a:rPr kumimoji="1" lang="ja-JP" altLang="en-US" dirty="0" smtClean="0"/>
-              <a:t>お願い</a:t>
+              <a:t>のお願い</a:t>
             </a:r>
             <a:endParaRPr kumimoji="1" lang="en-US" altLang="ja-JP" dirty="0" smtClean="0"/>
           </a:p>
